--- a/calculation.pptx
+++ b/calculation.pptx
@@ -197,7 +197,7 @@
           <a:p>
             <a:fld id="{67A38D8D-DCCD-B144-872E-1D85D88FF32B}" type="datetimeFigureOut">
               <a:rPr lang="en-US" smtClean="0"/>
-              <a:t>1/11/17</a:t>
+              <a:t>2/21/17</a:t>
             </a:fld>
             <a:endParaRPr lang="en-US"/>
           </a:p>
@@ -680,7 +680,7 @@
           <a:p>
             <a:fld id="{D2E25EB1-A55A-F048-9FC5-A4F40D3EDA1D}" type="datetimeFigureOut">
               <a:rPr lang="en-US" smtClean="0"/>
-              <a:t>1/11/17</a:t>
+              <a:t>2/21/17</a:t>
             </a:fld>
             <a:endParaRPr lang="en-US"/>
           </a:p>
@@ -850,7 +850,7 @@
           <a:p>
             <a:fld id="{D2E25EB1-A55A-F048-9FC5-A4F40D3EDA1D}" type="datetimeFigureOut">
               <a:rPr lang="en-US" smtClean="0"/>
-              <a:t>1/11/17</a:t>
+              <a:t>2/21/17</a:t>
             </a:fld>
             <a:endParaRPr lang="en-US"/>
           </a:p>
@@ -1030,7 +1030,7 @@
           <a:p>
             <a:fld id="{D2E25EB1-A55A-F048-9FC5-A4F40D3EDA1D}" type="datetimeFigureOut">
               <a:rPr lang="en-US" smtClean="0"/>
-              <a:t>1/11/17</a:t>
+              <a:t>2/21/17</a:t>
             </a:fld>
             <a:endParaRPr lang="en-US"/>
           </a:p>
@@ -1200,7 +1200,7 @@
           <a:p>
             <a:fld id="{D2E25EB1-A55A-F048-9FC5-A4F40D3EDA1D}" type="datetimeFigureOut">
               <a:rPr lang="en-US" smtClean="0"/>
-              <a:t>1/11/17</a:t>
+              <a:t>2/21/17</a:t>
             </a:fld>
             <a:endParaRPr lang="en-US"/>
           </a:p>
@@ -1446,7 +1446,7 @@
           <a:p>
             <a:fld id="{D2E25EB1-A55A-F048-9FC5-A4F40D3EDA1D}" type="datetimeFigureOut">
               <a:rPr lang="en-US" smtClean="0"/>
-              <a:t>1/11/17</a:t>
+              <a:t>2/21/17</a:t>
             </a:fld>
             <a:endParaRPr lang="en-US"/>
           </a:p>
@@ -1678,7 +1678,7 @@
           <a:p>
             <a:fld id="{D2E25EB1-A55A-F048-9FC5-A4F40D3EDA1D}" type="datetimeFigureOut">
               <a:rPr lang="en-US" smtClean="0"/>
-              <a:t>1/11/17</a:t>
+              <a:t>2/21/17</a:t>
             </a:fld>
             <a:endParaRPr lang="en-US"/>
           </a:p>
@@ -2045,7 +2045,7 @@
           <a:p>
             <a:fld id="{D2E25EB1-A55A-F048-9FC5-A4F40D3EDA1D}" type="datetimeFigureOut">
               <a:rPr lang="en-US" smtClean="0"/>
-              <a:t>1/11/17</a:t>
+              <a:t>2/21/17</a:t>
             </a:fld>
             <a:endParaRPr lang="en-US"/>
           </a:p>
@@ -2163,7 +2163,7 @@
           <a:p>
             <a:fld id="{D2E25EB1-A55A-F048-9FC5-A4F40D3EDA1D}" type="datetimeFigureOut">
               <a:rPr lang="en-US" smtClean="0"/>
-              <a:t>1/11/17</a:t>
+              <a:t>2/21/17</a:t>
             </a:fld>
             <a:endParaRPr lang="en-US"/>
           </a:p>
@@ -2258,7 +2258,7 @@
           <a:p>
             <a:fld id="{D2E25EB1-A55A-F048-9FC5-A4F40D3EDA1D}" type="datetimeFigureOut">
               <a:rPr lang="en-US" smtClean="0"/>
-              <a:t>1/11/17</a:t>
+              <a:t>2/21/17</a:t>
             </a:fld>
             <a:endParaRPr lang="en-US"/>
           </a:p>
@@ -2535,7 +2535,7 @@
           <a:p>
             <a:fld id="{D2E25EB1-A55A-F048-9FC5-A4F40D3EDA1D}" type="datetimeFigureOut">
               <a:rPr lang="en-US" smtClean="0"/>
-              <a:t>1/11/17</a:t>
+              <a:t>2/21/17</a:t>
             </a:fld>
             <a:endParaRPr lang="en-US"/>
           </a:p>
@@ -2788,7 +2788,7 @@
           <a:p>
             <a:fld id="{D2E25EB1-A55A-F048-9FC5-A4F40D3EDA1D}" type="datetimeFigureOut">
               <a:rPr lang="en-US" smtClean="0"/>
-              <a:t>1/11/17</a:t>
+              <a:t>2/21/17</a:t>
             </a:fld>
             <a:endParaRPr lang="en-US"/>
           </a:p>
@@ -3001,7 +3001,7 @@
           <a:p>
             <a:fld id="{D2E25EB1-A55A-F048-9FC5-A4F40D3EDA1D}" type="datetimeFigureOut">
               <a:rPr lang="en-US" smtClean="0"/>
-              <a:t>1/11/17</a:t>
+              <a:t>2/21/17</a:t>
             </a:fld>
             <a:endParaRPr lang="en-US"/>
           </a:p>
@@ -3571,8 +3571,8 @@
             </a:fontRef>
           </p:style>
         </p:cxnSp>
-        <mc:AlternateContent xmlns:mc="http://schemas.openxmlformats.org/markup-compatibility/2006">
-          <mc:Choice xmlns:a14="http://schemas.microsoft.com/office/drawing/2010/main" Requires="a14">
+        <mc:AlternateContent xmlns:mc="http://schemas.openxmlformats.org/markup-compatibility/2006" xmlns:a14="http://schemas.microsoft.com/office/drawing/2010/main">
+          <mc:Choice Requires="a14">
             <p:sp>
               <p:nvSpPr>
                 <p:cNvPr id="16" name="TextBox 15"/>
@@ -3653,7 +3653,7 @@
               </p:txBody>
             </p:sp>
           </mc:Choice>
-          <mc:Fallback>
+          <mc:Fallback xmlns="">
             <p:sp>
               <p:nvSpPr>
                 <p:cNvPr id="16" name="TextBox 15"/>
@@ -3692,8 +3692,8 @@
             </p:sp>
           </mc:Fallback>
         </mc:AlternateContent>
-        <mc:AlternateContent xmlns:mc="http://schemas.openxmlformats.org/markup-compatibility/2006">
-          <mc:Choice xmlns:a14="http://schemas.microsoft.com/office/drawing/2010/main" Requires="a14">
+        <mc:AlternateContent xmlns:mc="http://schemas.openxmlformats.org/markup-compatibility/2006" xmlns:a14="http://schemas.microsoft.com/office/drawing/2010/main">
+          <mc:Choice Requires="a14">
             <p:sp>
               <p:nvSpPr>
                 <p:cNvPr id="17" name="TextBox 16"/>
@@ -3774,7 +3774,7 @@
               </p:txBody>
             </p:sp>
           </mc:Choice>
-          <mc:Fallback>
+          <mc:Fallback xmlns="">
             <p:sp>
               <p:nvSpPr>
                 <p:cNvPr id="17" name="TextBox 16"/>
@@ -4824,8 +4824,8 @@
           </p:sp>
         </mc:Fallback>
       </mc:AlternateContent>
-      <mc:AlternateContent xmlns:mc="http://schemas.openxmlformats.org/markup-compatibility/2006" xmlns:a14="http://schemas.microsoft.com/office/drawing/2010/main">
-        <mc:Choice Requires="a14">
+      <mc:AlternateContent xmlns:mc="http://schemas.openxmlformats.org/markup-compatibility/2006">
+        <mc:Choice xmlns:a14="http://schemas.microsoft.com/office/drawing/2010/main" Requires="a14">
           <p:sp>
             <p:nvSpPr>
               <p:cNvPr id="74" name="TextBox 73"/>
@@ -4834,7 +4834,7 @@
             </p:nvSpPr>
             <p:spPr>
               <a:xfrm>
-                <a:off x="1675873" y="2589288"/>
+                <a:off x="1779109" y="2589288"/>
                 <a:ext cx="609601" cy="276999"/>
               </a:xfrm>
               <a:prstGeom prst="rect">
@@ -4855,24 +4855,31 @@
                       <m:jc m:val="centerGroup"/>
                     </m:oMathParaPr>
                     <m:oMath xmlns:m="http://schemas.openxmlformats.org/officeDocument/2006/math">
-                      <m:r>
-                        <a:rPr lang="en-US" sz="1200" b="0" i="1" smtClean="0">
-                          <a:latin typeface="Cambria Math" charset="0"/>
-                        </a:rPr>
-                        <m:t>𝑡</m:t>
-                      </m:r>
-                      <m:r>
-                        <a:rPr lang="en-US" sz="1200" b="0" i="1" smtClean="0">
-                          <a:latin typeface="Cambria Math" charset="0"/>
-                        </a:rPr>
-                        <m:t>+</m:t>
-                      </m:r>
-                      <m:r>
-                        <a:rPr lang="en-US" sz="1200" b="0" i="1" smtClean="0">
-                          <a:latin typeface="Cambria Math" charset="0"/>
-                        </a:rPr>
-                        <m:t>𝑑</m:t>
-                      </m:r>
+                      <m:sSub>
+                        <m:sSubPr>
+                          <m:ctrlPr>
+                            <a:rPr lang="en-US" sz="1200" b="0" i="1" smtClean="0">
+                              <a:latin typeface="Cambria Math" charset="0"/>
+                            </a:rPr>
+                          </m:ctrlPr>
+                        </m:sSubPr>
+                        <m:e>
+                          <m:r>
+                            <a:rPr lang="en-US" sz="1200" b="0" i="1" smtClean="0">
+                              <a:latin typeface="Cambria Math" charset="0"/>
+                            </a:rPr>
+                            <m:t>𝑡</m:t>
+                          </m:r>
+                        </m:e>
+                        <m:sub>
+                          <m:r>
+                            <a:rPr lang="en-US" sz="1200" b="0" i="1" smtClean="0">
+                              <a:latin typeface="Cambria Math" charset="0"/>
+                            </a:rPr>
+                            <m:t>𝑐</m:t>
+                          </m:r>
+                        </m:sub>
+                      </m:sSub>
                       <m:r>
                         <a:rPr lang="en-US" sz="1200" b="0" i="1" smtClean="0">
                           <a:latin typeface="Cambria Math" charset="0"/>
@@ -4887,7 +4894,7 @@
             </p:txBody>
           </p:sp>
         </mc:Choice>
-        <mc:Fallback xmlns="">
+        <mc:Fallback>
           <p:sp>
             <p:nvSpPr>
               <p:cNvPr id="74" name="TextBox 73"/>
@@ -4898,14 +4905,14 @@
             </p:nvSpPr>
             <p:spPr>
               <a:xfrm>
-                <a:off x="1675873" y="2589288"/>
+                <a:off x="1779109" y="2589288"/>
                 <a:ext cx="609601" cy="276999"/>
               </a:xfrm>
               <a:prstGeom prst="rect">
                 <a:avLst/>
               </a:prstGeom>
               <a:blipFill rotWithShape="0">
-                <a:blip r:embed="rId25"/>
+                <a:blip r:embed="rId23"/>
                 <a:stretch>
                   <a:fillRect t="-80000" b="-102222"/>
                 </a:stretch>
@@ -5214,8 +5221,8 @@
           </a:fontRef>
         </p:style>
       </p:cxnSp>
-      <mc:AlternateContent xmlns:mc="http://schemas.openxmlformats.org/markup-compatibility/2006">
-        <mc:Choice xmlns:a14="http://schemas.microsoft.com/office/drawing/2010/main" Requires="a14">
+      <mc:AlternateContent xmlns:mc="http://schemas.openxmlformats.org/markup-compatibility/2006" xmlns:a14="http://schemas.microsoft.com/office/drawing/2010/main">
+        <mc:Choice Requires="a14">
           <p:sp>
             <p:nvSpPr>
               <p:cNvPr id="32" name="TextBox 31"/>
@@ -5259,7 +5266,7 @@
             </p:txBody>
           </p:sp>
         </mc:Choice>
-        <mc:Fallback>
+        <mc:Fallback xmlns="">
           <p:sp>
             <p:nvSpPr>
               <p:cNvPr id="32" name="TextBox 31"/>
@@ -5397,8 +5404,8 @@
           </a:fontRef>
         </p:style>
       </p:cxnSp>
-      <mc:AlternateContent xmlns:mc="http://schemas.openxmlformats.org/markup-compatibility/2006">
-        <mc:Choice xmlns:a14="http://schemas.microsoft.com/office/drawing/2010/main" Requires="a14">
+      <mc:AlternateContent xmlns:mc="http://schemas.openxmlformats.org/markup-compatibility/2006" xmlns:a14="http://schemas.microsoft.com/office/drawing/2010/main">
+        <mc:Choice Requires="a14">
           <p:sp>
             <p:nvSpPr>
               <p:cNvPr id="40" name="TextBox 39"/>
@@ -5454,7 +5461,7 @@
             </p:txBody>
           </p:sp>
         </mc:Choice>
-        <mc:Fallback>
+        <mc:Fallback xmlns="">
           <p:sp>
             <p:nvSpPr>
               <p:cNvPr id="40" name="TextBox 39"/>
